--- a/Test for Normality in SPSS.pptx
+++ b/Test for Normality in SPSS.pptx
@@ -112,6 +112,11 @@
       </a:defRPr>
     </a:lvl9pPr>
   </p:defaultTextStyle>
+  <p:extLst>
+    <p:ext uri="{EFAFB233-063F-42B5-8137-9DF3F51BA10A}">
+      <p15:sldGuideLst xmlns:p15="http://schemas.microsoft.com/office/powerpoint/2012/main"/>
+    </p:ext>
+  </p:extLst>
 </p:presentation>
 </file>
 
@@ -127,13 +132,13 @@
 <pc:chgInfo xmlns:a="http://schemas.openxmlformats.org/drawingml/2006/main" xmlns:r="http://schemas.openxmlformats.org/officeDocument/2006/relationships" xmlns:ac="http://schemas.microsoft.com/office/drawing/2013/main/command" xmlns:pc="http://schemas.microsoft.com/office/powerpoint/2013/main/command">
   <pc:docChgLst>
     <pc:chgData name="Ferrero, Federico J" userId="733b27bd-3504-4679-965f-9e3b7194b881" providerId="ADAL" clId="{D3A920E6-1BDF-4309-ADC6-DD40A24EB481}"/>
-    <pc:docChg chg="undo custSel addSld modSld addMainMaster delMainMaster">
-      <pc:chgData name="Ferrero, Federico J" userId="733b27bd-3504-4679-965f-9e3b7194b881" providerId="ADAL" clId="{D3A920E6-1BDF-4309-ADC6-DD40A24EB481}" dt="2022-10-24T14:53:31.309" v="227" actId="6549"/>
+    <pc:docChg chg="undo redo custSel addSld modSld addMainMaster delMainMaster">
+      <pc:chgData name="Ferrero, Federico J" userId="733b27bd-3504-4679-965f-9e3b7194b881" providerId="ADAL" clId="{D3A920E6-1BDF-4309-ADC6-DD40A24EB481}" dt="2022-10-24T17:34:38.853" v="281" actId="313"/>
       <pc:docMkLst>
         <pc:docMk/>
       </pc:docMkLst>
       <pc:sldChg chg="addSp delSp modSp mod setBg modClrScheme chgLayout">
-        <pc:chgData name="Ferrero, Federico J" userId="733b27bd-3504-4679-965f-9e3b7194b881" providerId="ADAL" clId="{D3A920E6-1BDF-4309-ADC6-DD40A24EB481}" dt="2022-10-24T14:52:57.748" v="212" actId="2711"/>
+        <pc:chgData name="Ferrero, Federico J" userId="733b27bd-3504-4679-965f-9e3b7194b881" providerId="ADAL" clId="{D3A920E6-1BDF-4309-ADC6-DD40A24EB481}" dt="2022-10-24T17:34:38.853" v="281" actId="313"/>
         <pc:sldMkLst>
           <pc:docMk/>
           <pc:sldMk cId="3306752769" sldId="256"/>
@@ -147,7 +152,7 @@
           </ac:spMkLst>
         </pc:spChg>
         <pc:spChg chg="mod">
-          <ac:chgData name="Ferrero, Federico J" userId="733b27bd-3504-4679-965f-9e3b7194b881" providerId="ADAL" clId="{D3A920E6-1BDF-4309-ADC6-DD40A24EB481}" dt="2022-10-24T14:49:13.945" v="113" actId="27636"/>
+          <ac:chgData name="Ferrero, Federico J" userId="733b27bd-3504-4679-965f-9e3b7194b881" providerId="ADAL" clId="{D3A920E6-1BDF-4309-ADC6-DD40A24EB481}" dt="2022-10-24T17:34:38.853" v="281" actId="313"/>
           <ac:spMkLst>
             <pc:docMk/>
             <pc:sldMk cId="3306752769" sldId="256"/>
@@ -4314,7 +4319,7 @@
                 <a:latin typeface="Arial" panose="020B0604020202020204" pitchFamily="34" charset="0"/>
                 <a:cs typeface="Arial" panose="020B0604020202020204" pitchFamily="34" charset="0"/>
               </a:rPr>
-              <a:t>Incorporate a paragraph to show how these results can be incorporated into a report.</a:t>
+              <a:t>Incorporate a paragraph to show how these results can be integrated into a report.</a:t>
             </a:r>
           </a:p>
           <a:p>
